--- a/教育经济分析_期末大作业.pptx
+++ b/教育经济分析_期末大作业.pptx
@@ -4453,7 +4453,6 @@
           <a:p>
             <a:r>
               <a:rPr lang="zh-CN">
-                <a:ln/>
                 <a:solidFill>
                   <a:schemeClr val="accent1"/>
                 </a:solidFill>
@@ -4470,7 +4469,6 @@
             </a:r>
             <a:r>
               <a:rPr lang="zh-CN">
-                <a:ln/>
                 <a:solidFill>
                   <a:schemeClr val="accent1"/>
                 </a:solidFill>
@@ -4486,7 +4484,6 @@
               <a:t>观看</a:t>
             </a:r>
             <a:endParaRPr lang="zh-CN">
-              <a:ln/>
               <a:solidFill>
                 <a:schemeClr val="accent1"/>
               </a:solidFill>
@@ -4562,7 +4559,11 @@
               </a:defRPr>
             </a:pPr>
             <a:r>
-              <a:t>二、研究问题与意义</a:t>
+              <a:rPr lang="zh-CN"/>
+              <a:t>一</a:t>
+            </a:r>
+            <a:r>
+              <a:t>、研究问题与意义</a:t>
             </a:r>
           </a:p>
         </p:txBody>
@@ -4581,7 +4582,11 @@
         <p:txBody>
           <a:bodyPr/>
           <a:lstStyle/>
-          <a:p/>
+          <a:p>
+            <a:pPr marL="0" indent="0">
+              <a:buNone/>
+            </a:pPr>
+          </a:p>
           <a:p>
             <a:pPr>
               <a:defRPr sz="1400">
@@ -4592,6 +4597,7 @@
               </a:defRPr>
             </a:pPr>
             <a:r>
+              <a:rPr sz="1600"/>
               <a:t>核心研究问题：</a:t>
             </a:r>
           </a:p>
@@ -4608,11 +4614,32 @@
               </a:defRPr>
             </a:pPr>
             <a:r>
-              <a:t>1. 经济影响多大？——人均GDP每增加1万元，985录取率提高多少？</a:t>
-            </a:r>
+              <a:rPr lang="zh-CN" altLang="en-US"/>
+              <a:t>各地</a:t>
+            </a:r>
+            <a:r>
+              <a:rPr lang="en-US" altLang="zh-CN"/>
+              <a:t>“</a:t>
+            </a:r>
+            <a:r>
+              <a:rPr lang="zh-CN" altLang="en-US"/>
+              <a:t>好大学</a:t>
+            </a:r>
+            <a:r>
+              <a:rPr lang="en-US" altLang="zh-CN"/>
+              <a:t>”</a:t>
+            </a:r>
+            <a:r>
+              <a:rPr lang="zh-CN" altLang="en-US"/>
+              <a:t>升学率和各地经济之间是否有联系，如果有，各地区之间有多大参差？</a:t>
+            </a:r>
+            <a:endParaRPr lang="zh-CN" altLang="en-US"/>
           </a:p>
           <a:p>
             <a:pPr>
+              <a:spcBef>
+                <a:spcPts val="1200"/>
+              </a:spcBef>
               <a:defRPr sz="1400">
                 <a:solidFill>
                   <a:srgbClr val="808080"/>
@@ -4620,12 +4647,13 @@
                 <a:latin typeface="微软雅黑" panose="020B0503020204020204" charset="-122"/>
               </a:defRPr>
             </a:pPr>
-            <a:r>
-              <a:t>2. 资源配置多公平？——北京和河南学生上985的机会相差多少倍？</a:t>
-            </a:r>
+            <a:endParaRPr lang="zh-CN" altLang="en-US"/>
           </a:p>
           <a:p>
             <a:pPr>
+              <a:spcBef>
+                <a:spcPts val="1200"/>
+              </a:spcBef>
               <a:defRPr sz="1400">
                 <a:solidFill>
                   <a:srgbClr val="808080"/>
@@ -4633,19 +4661,7 @@
                 <a:latin typeface="微软雅黑" panose="020B0503020204020204" charset="-122"/>
               </a:defRPr>
             </a:pPr>
-            <a:r>
-              <a:t>3. 投入效率多高？——为何吉林教育产出比广东高？</a:t>
-            </a:r>
-          </a:p>
-          <a:p>
-            <a:pPr>
-              <a:defRPr sz="1400">
-                <a:solidFill>
-                  <a:srgbClr val="808080"/>
-                </a:solidFill>
-                <a:latin typeface="微软雅黑" panose="020B0503020204020204" charset="-122"/>
-              </a:defRPr>
-            </a:pPr>
+            <a:endParaRPr lang="zh-CN" altLang="en-US"/>
           </a:p>
           <a:p>
             <a:pPr>
@@ -4704,7 +4720,11 @@
               </a:defRPr>
             </a:pPr>
             <a:r>
-              <a:t>三、数据基础与指标</a:t>
+              <a:rPr lang="zh-CN"/>
+              <a:t>二</a:t>
+            </a:r>
+            <a:r>
+              <a:t>、数据基础与指标</a:t>
             </a:r>
           </a:p>
         </p:txBody>
@@ -4860,7 +4880,7 @@
         <p:spPr>
           <a:xfrm>
             <a:off x="457200" y="182880"/>
-            <a:ext cx="8229600" cy="731520"/>
+            <a:ext cx="3831590" cy="706755"/>
           </a:xfrm>
           <a:prstGeom prst="rect">
             <a:avLst/>
@@ -4883,7 +4903,11 @@
               </a:defRPr>
             </a:pPr>
             <a:r>
-              <a:t>四、经济发展与教育机会关联</a:t>
+              <a:rPr lang="zh-CN"/>
+              <a:t>三</a:t>
+            </a:r>
+            <a:r>
+              <a:t>、经济发展与教育机会关联</a:t>
             </a:r>
           </a:p>
         </p:txBody>
@@ -4976,7 +5000,7 @@
         <p:spPr>
           <a:xfrm>
             <a:off x="457200" y="182880"/>
-            <a:ext cx="8229600" cy="731520"/>
+            <a:ext cx="3550920" cy="706755"/>
           </a:xfrm>
           <a:prstGeom prst="rect">
             <a:avLst/>
@@ -4999,7 +5023,11 @@
               </a:defRPr>
             </a:pPr>
             <a:r>
-              <a:t>五、教育投入产出效率分析</a:t>
+              <a:rPr lang="zh-CN"/>
+              <a:t>四</a:t>
+            </a:r>
+            <a:r>
+              <a:t>、教育投入产出效率分析</a:t>
             </a:r>
           </a:p>
         </p:txBody>
@@ -5092,7 +5120,7 @@
         <p:spPr>
           <a:xfrm>
             <a:off x="457200" y="182880"/>
-            <a:ext cx="8229600" cy="731520"/>
+            <a:ext cx="3831590" cy="706755"/>
           </a:xfrm>
           <a:prstGeom prst="rect">
             <a:avLst/>
@@ -5115,7 +5143,11 @@
               </a:defRPr>
             </a:pPr>
             <a:r>
-              <a:t>六、高等教育机会公平性分析</a:t>
+              <a:rPr lang="zh-CN"/>
+              <a:t>五</a:t>
+            </a:r>
+            <a:r>
+              <a:t>、高等教育机会公平性分析</a:t>
             </a:r>
           </a:p>
         </p:txBody>
@@ -5215,7 +5247,11 @@
               </a:defRPr>
             </a:pPr>
             <a:r>
-              <a:t>七、区域对比与异常案例</a:t>
+              <a:rPr lang="zh-CN"/>
+              <a:t>六</a:t>
+            </a:r>
+            <a:r>
+              <a:t>、区域对比与异常案例</a:t>
             </a:r>
           </a:p>
         </p:txBody>
@@ -5342,7 +5378,7 @@
         <p:spPr>
           <a:xfrm>
             <a:off x="457200" y="182880"/>
-            <a:ext cx="8229600" cy="731520"/>
+            <a:ext cx="4112260" cy="706755"/>
           </a:xfrm>
           <a:prstGeom prst="rect">
             <a:avLst/>
@@ -5365,7 +5401,11 @@
               </a:defRPr>
             </a:pPr>
             <a:r>
-              <a:t>八、人口因素对教育机会的影响</a:t>
+              <a:rPr lang="zh-CN"/>
+              <a:t>七</a:t>
+            </a:r>
+            <a:r>
+              <a:t>、人口因素对教育机会的影响</a:t>
             </a:r>
           </a:p>
         </p:txBody>
@@ -5473,7 +5513,11 @@
               </a:defRPr>
             </a:pPr>
             <a:r>
-              <a:t>九、主要结论与政策建议</a:t>
+              <a:rPr lang="zh-CN"/>
+              <a:t>八</a:t>
+            </a:r>
+            <a:r>
+              <a:t>、主要结论与政策建议</a:t>
             </a:r>
           </a:p>
         </p:txBody>
